--- a/xlgs-analytics-2_0-slides.pptx
+++ b/xlgs-analytics-2_0-slides.pptx
@@ -267,7 +267,7 @@
           <a:p>
             <a:fld id="{17A98A70-FA8C-4354-959C-C70678AC9BCF}" type="datetimeFigureOut">
               <a:rPr lang="en-US" smtClean="0"/>
-              <a:t>2/5/2024</a:t>
+              <a:t>7/11/2024</a:t>
             </a:fld>
             <a:endParaRPr lang="en-US"/>
           </a:p>
@@ -2334,7 +2334,7 @@
             <a:fld id="{1D8BD707-D9CF-40AE-B4C6-C98DA3205C09}" type="datetimeFigureOut">
               <a:rPr lang="en-US" smtClean="0"/>
               <a:pPr/>
-              <a:t>2/5/2024</a:t>
+              <a:t>7/11/2024</a:t>
             </a:fld>
             <a:endParaRPr lang="en-US"/>
           </a:p>
@@ -2499,7 +2499,7 @@
             <a:fld id="{1D8BD707-D9CF-40AE-B4C6-C98DA3205C09}" type="datetimeFigureOut">
               <a:rPr lang="en-US" smtClean="0"/>
               <a:pPr/>
-              <a:t>2/5/2024</a:t>
+              <a:t>7/11/2024</a:t>
             </a:fld>
             <a:endParaRPr lang="en-US"/>
           </a:p>
@@ -2674,7 +2674,7 @@
             <a:fld id="{1D8BD707-D9CF-40AE-B4C6-C98DA3205C09}" type="datetimeFigureOut">
               <a:rPr lang="en-US" smtClean="0"/>
               <a:pPr/>
-              <a:t>2/5/2024</a:t>
+              <a:t>7/11/2024</a:t>
             </a:fld>
             <a:endParaRPr lang="en-US"/>
           </a:p>
@@ -2839,7 +2839,7 @@
             <a:fld id="{1D8BD707-D9CF-40AE-B4C6-C98DA3205C09}" type="datetimeFigureOut">
               <a:rPr lang="en-US" smtClean="0"/>
               <a:pPr/>
-              <a:t>2/5/2024</a:t>
+              <a:t>7/11/2024</a:t>
             </a:fld>
             <a:endParaRPr lang="en-US"/>
           </a:p>
@@ -3081,7 +3081,7 @@
             <a:fld id="{1D8BD707-D9CF-40AE-B4C6-C98DA3205C09}" type="datetimeFigureOut">
               <a:rPr lang="en-US" smtClean="0"/>
               <a:pPr/>
-              <a:t>2/5/2024</a:t>
+              <a:t>7/11/2024</a:t>
             </a:fld>
             <a:endParaRPr lang="en-US"/>
           </a:p>
@@ -3363,7 +3363,7 @@
             <a:fld id="{1D8BD707-D9CF-40AE-B4C6-C98DA3205C09}" type="datetimeFigureOut">
               <a:rPr lang="en-US" smtClean="0"/>
               <a:pPr/>
-              <a:t>2/5/2024</a:t>
+              <a:t>7/11/2024</a:t>
             </a:fld>
             <a:endParaRPr lang="en-US"/>
           </a:p>
@@ -3779,7 +3779,7 @@
             <a:fld id="{1D8BD707-D9CF-40AE-B4C6-C98DA3205C09}" type="datetimeFigureOut">
               <a:rPr lang="en-US" smtClean="0"/>
               <a:pPr/>
-              <a:t>2/5/2024</a:t>
+              <a:t>7/11/2024</a:t>
             </a:fld>
             <a:endParaRPr lang="en-US"/>
           </a:p>
@@ -3893,7 +3893,7 @@
             <a:fld id="{1D8BD707-D9CF-40AE-B4C6-C98DA3205C09}" type="datetimeFigureOut">
               <a:rPr lang="en-US" smtClean="0"/>
               <a:pPr/>
-              <a:t>2/5/2024</a:t>
+              <a:t>7/11/2024</a:t>
             </a:fld>
             <a:endParaRPr lang="en-US"/>
           </a:p>
@@ -3985,7 +3985,7 @@
             <a:fld id="{1D8BD707-D9CF-40AE-B4C6-C98DA3205C09}" type="datetimeFigureOut">
               <a:rPr lang="en-US" smtClean="0"/>
               <a:pPr/>
-              <a:t>2/5/2024</a:t>
+              <a:t>7/11/2024</a:t>
             </a:fld>
             <a:endParaRPr lang="en-US"/>
           </a:p>
@@ -4257,7 +4257,7 @@
             <a:fld id="{1D8BD707-D9CF-40AE-B4C6-C98DA3205C09}" type="datetimeFigureOut">
               <a:rPr lang="en-US" smtClean="0"/>
               <a:pPr/>
-              <a:t>2/5/2024</a:t>
+              <a:t>7/11/2024</a:t>
             </a:fld>
             <a:endParaRPr lang="en-US"/>
           </a:p>
@@ -4506,7 +4506,7 @@
             <a:fld id="{1D8BD707-D9CF-40AE-B4C6-C98DA3205C09}" type="datetimeFigureOut">
               <a:rPr lang="en-US" smtClean="0"/>
               <a:pPr/>
-              <a:t>2/5/2024</a:t>
+              <a:t>7/11/2024</a:t>
             </a:fld>
             <a:endParaRPr lang="en-US"/>
           </a:p>
@@ -4719,7 +4719,7 @@
             <a:fld id="{1D8BD707-D9CF-40AE-B4C6-C98DA3205C09}" type="datetimeFigureOut">
               <a:rPr lang="en-US" smtClean="0"/>
               <a:pPr/>
-              <a:t>2/5/2024</a:t>
+              <a:t>7/11/2024</a:t>
             </a:fld>
             <a:endParaRPr lang="en-US"/>
           </a:p>
@@ -5154,7 +5154,7 @@
                 </a:solidFill>
                 <a:latin typeface="+mn-lt"/>
               </a:rPr>
-              <a:t>Excel Analytics 2.0</a:t>
+              <a:t>Excel Power Tools for Analytics</a:t>
             </a:r>
             <a:endParaRPr lang="en-BG" sz="9900" b="1" dirty="0">
               <a:solidFill>
@@ -7435,7 +7435,7 @@
         </p:blipFill>
         <p:spPr bwMode="auto">
           <a:xfrm>
-            <a:off x="4758962" y="2476500"/>
+            <a:off x="1719601" y="2636893"/>
             <a:ext cx="7531585" cy="5013211"/>
           </a:xfrm>
           <a:prstGeom prst="rect">
@@ -7534,6 +7534,36 @@
               </a14:hiddenFill>
             </a:ext>
           </a:extLst>
+        </p:spPr>
+      </p:pic>
+      <p:pic>
+        <p:nvPicPr>
+          <p:cNvPr id="2" name="Picture 1">
+            <a:extLst>
+              <a:ext uri="{FF2B5EF4-FFF2-40B4-BE49-F238E27FC236}">
+                <a16:creationId xmlns:a16="http://schemas.microsoft.com/office/drawing/2014/main" id="{50A242DB-4587-B99F-C771-FCE1A2F66CC2}"/>
+              </a:ext>
+            </a:extLst>
+          </p:cNvPr>
+          <p:cNvPicPr>
+            <a:picLocks noChangeAspect="1"/>
+          </p:cNvPicPr>
+          <p:nvPr/>
+        </p:nvPicPr>
+        <p:blipFill>
+          <a:blip r:embed="rId7"/>
+          <a:stretch>
+            <a:fillRect/>
+          </a:stretch>
+        </p:blipFill>
+        <p:spPr>
+          <a:xfrm>
+            <a:off x="10023998" y="2990000"/>
+            <a:ext cx="3553241" cy="4660104"/>
+          </a:xfrm>
+          <a:prstGeom prst="rect">
+            <a:avLst/>
+          </a:prstGeom>
         </p:spPr>
       </p:pic>
     </p:spTree>
@@ -9973,7 +10003,7 @@
         <p:spPr>
           <a:xfrm>
             <a:off x="520861" y="3191948"/>
-            <a:ext cx="14393120" cy="2677656"/>
+            <a:ext cx="14393120" cy="3970318"/>
           </a:xfrm>
           <a:prstGeom prst="rect">
             <a:avLst/>
@@ -10018,7 +10048,25 @@
                 </a:solidFill>
                 <a:latin typeface="Pragmatica" panose="020B0403040502020204" pitchFamily="34" charset="0"/>
               </a:rPr>
-              <a:t>Augment and automate Excel analysis, visualization and reporting with Python </a:t>
+              <a:t>Augment and automate Excel analysis, visualization and reporting with Python and Python in Excel</a:t>
+            </a:r>
+          </a:p>
+          <a:p>
+            <a:pPr marL="685800" indent="-685800">
+              <a:buClr>
+                <a:srgbClr val="CF3338"/>
+              </a:buClr>
+              <a:buFont typeface="Arial" panose="020B0604020202020204" pitchFamily="34" charset="0"/>
+              <a:buChar char="•"/>
+            </a:pPr>
+            <a:r>
+              <a:rPr lang="en-US" sz="4200" dirty="0">
+                <a:solidFill>
+                  <a:srgbClr val="707070"/>
+                </a:solidFill>
+                <a:latin typeface="Pragmatica" panose="020B0403040502020204" pitchFamily="34" charset="0"/>
+              </a:rPr>
+              <a:t>Take Excel automation to new levels with Power Automate and Office Scripts</a:t>
             </a:r>
           </a:p>
         </p:txBody>
@@ -11647,8 +11695,23 @@
                 </a:solidFill>
                 <a:latin typeface="Normafixed Tryout" panose="00000409000000000000"/>
               </a:rPr>
-              <a:t>AI-Powered Excel</a:t>
-            </a:r>
+              <a:t>Copilot </a:t>
+            </a:r>
+            <a:r>
+              <a:rPr lang="en-US" sz="9900" b="1">
+                <a:solidFill>
+                  <a:schemeClr val="bg1"/>
+                </a:solidFill>
+                <a:latin typeface="Normafixed Tryout" panose="00000409000000000000"/>
+              </a:rPr>
+              <a:t>for Excel</a:t>
+            </a:r>
+            <a:endParaRPr lang="en-US" sz="9900" b="1" dirty="0">
+              <a:solidFill>
+                <a:schemeClr val="bg1"/>
+              </a:solidFill>
+              <a:latin typeface="Normafixed Tryout" panose="00000409000000000000"/>
+            </a:endParaRPr>
           </a:p>
         </p:txBody>
       </p:sp>

--- a/xlgs-analytics-2_0-slides.pptx
+++ b/xlgs-analytics-2_0-slides.pptx
@@ -5364,7 +5364,7 @@
                 </a:solidFill>
                 <a:latin typeface="Normafixed Tryout" panose="00000409000000000000" pitchFamily="49" charset="0"/>
               </a:rPr>
-              <a:t>2. AI-Powered Data Entry and Forecasting</a:t>
+              <a:t>2. Data management with Copilot</a:t>
             </a:r>
           </a:p>
         </p:txBody>
@@ -5799,8 +5799,23 @@
                 </a:solidFill>
                 <a:latin typeface="Pragmatica" panose="020B0403040502020204" pitchFamily="34" charset="0"/>
               </a:rPr>
-              <a:t>AI-powered data entry and forecasting EXERCISE</a:t>
-            </a:r>
+              <a:t>Data management </a:t>
+            </a:r>
+            <a:r>
+              <a:rPr lang="en-US" sz="6000" b="1">
+                <a:solidFill>
+                  <a:srgbClr val="CF3338"/>
+                </a:solidFill>
+                <a:latin typeface="Pragmatica" panose="020B0403040502020204" pitchFamily="34" charset="0"/>
+              </a:rPr>
+              <a:t>with Copilot EXERCISE</a:t>
+            </a:r>
+            <a:endParaRPr lang="en-US" sz="6000" b="1" dirty="0">
+              <a:solidFill>
+                <a:srgbClr val="CF3338"/>
+              </a:solidFill>
+              <a:latin typeface="Pragmatica" panose="020B0403040502020204" pitchFamily="34" charset="0"/>
+            </a:endParaRPr>
           </a:p>
           <a:p>
             <a:pPr marL="142875">
@@ -11695,23 +11710,8 @@
                 </a:solidFill>
                 <a:latin typeface="Normafixed Tryout" panose="00000409000000000000"/>
               </a:rPr>
-              <a:t>Copilot </a:t>
-            </a:r>
-            <a:r>
-              <a:rPr lang="en-US" sz="9900" b="1">
-                <a:solidFill>
-                  <a:schemeClr val="bg1"/>
-                </a:solidFill>
-                <a:latin typeface="Normafixed Tryout" panose="00000409000000000000"/>
-              </a:rPr>
-              <a:t>for Excel</a:t>
-            </a:r>
-            <a:endParaRPr lang="en-US" sz="9900" b="1" dirty="0">
-              <a:solidFill>
-                <a:schemeClr val="bg1"/>
-              </a:solidFill>
-              <a:latin typeface="Normafixed Tryout" panose="00000409000000000000"/>
-            </a:endParaRPr>
+              <a:t>Copilot for Excel</a:t>
+            </a:r>
           </a:p>
         </p:txBody>
       </p:sp>
@@ -11820,7 +11820,7 @@
                 </a:solidFill>
                 <a:latin typeface="Normafixed Tryout" panose="00000409000000000000" pitchFamily="49" charset="0"/>
               </a:rPr>
-              <a:t>1. AI-Powered Data Manipulation</a:t>
+              <a:t>1. Data manipulation with Copilot</a:t>
             </a:r>
           </a:p>
         </p:txBody>
@@ -11939,7 +11939,7 @@
         <p:spPr>
           <a:xfrm>
             <a:off x="260431" y="329879"/>
-            <a:ext cx="8906720" cy="10088916"/>
+            <a:ext cx="8906720" cy="7399462"/>
           </a:xfrm>
           <a:prstGeom prst="rect">
             <a:avLst/>
@@ -11959,7 +11959,7 @@
                 </a:solidFill>
                 <a:latin typeface="Pragmatica" panose="020B0403040502020204" pitchFamily="34" charset="0"/>
               </a:rPr>
-              <a:t>AI-powered data manipulation</a:t>
+              <a:t>Data manipulation with Copilot</a:t>
             </a:r>
           </a:p>
           <a:p>
@@ -11993,7 +11993,7 @@
                 <a:latin typeface="Pragmatica" panose="020B0403040502020204"/>
                 <a:sym typeface="Consolas"/>
               </a:rPr>
-              <a:t>Automating data entry with Flash Fill</a:t>
+              <a:t>Getting data into Copilot</a:t>
             </a:r>
           </a:p>
           <a:p>
@@ -12019,7 +12019,7 @@
                 <a:latin typeface="Pragmatica" panose="020B0403040502020204"/>
                 <a:sym typeface="Consolas"/>
               </a:rPr>
-              <a:t>Creating a Column by Example in Power Query</a:t>
+              <a:t>A tour of the Copilot editor</a:t>
             </a:r>
           </a:p>
           <a:p>
@@ -12045,33 +12045,7 @@
                 <a:latin typeface="Pragmatica" panose="020B0403040502020204"/>
                 <a:sym typeface="Consolas"/>
               </a:rPr>
-              <a:t>Creating a Formula by Example in Excel Online</a:t>
-            </a:r>
-          </a:p>
-          <a:p>
-            <a:pPr marL="685800" indent="-542925">
-              <a:lnSpc>
-                <a:spcPct val="115000"/>
-              </a:lnSpc>
-              <a:spcBef>
-                <a:spcPts val="1125"/>
-              </a:spcBef>
-              <a:buClr>
-                <a:srgbClr val="C00000"/>
-              </a:buClr>
-              <a:buSzPts val="2100"/>
-              <a:buFont typeface="Arial"/>
-              <a:buAutoNum type="arabicPeriod"/>
-            </a:pPr>
-            <a:r>
-              <a:rPr lang="en-US" sz="3600" dirty="0">
-                <a:solidFill>
-                  <a:srgbClr val="C00000"/>
-                </a:solidFill>
-                <a:latin typeface="Pragmatica" panose="020B0403040502020204"/>
-                <a:sym typeface="Consolas"/>
-              </a:rPr>
-              <a:t>Joining tables with Fuzzy Matching</a:t>
+              <a:t>Table formatting with Copilot</a:t>
             </a:r>
           </a:p>
           <a:p>
@@ -12128,7 +12102,7 @@
                 <a:latin typeface="Consolas" panose="020B0609020204030204" pitchFamily="49" charset="0"/>
                 <a:sym typeface="Consolas"/>
               </a:rPr>
-              <a:t>ai-powered-data-manipulation.xlsx</a:t>
+              <a:t>copilot-data-manipulation.xlsx</a:t>
             </a:r>
             <a:endParaRPr lang="en-US" sz="6000" dirty="0">
               <a:solidFill>
@@ -12261,7 +12235,7 @@
         <p:spPr>
           <a:xfrm>
             <a:off x="260431" y="329879"/>
-            <a:ext cx="8906720" cy="10726013"/>
+            <a:ext cx="8906720" cy="10867077"/>
           </a:xfrm>
           <a:prstGeom prst="rect">
             <a:avLst/>
@@ -12293,7 +12267,7 @@
             </a:endParaRPr>
           </a:p>
           <a:p>
-            <a:pPr marL="142875">
+            <a:pPr marL="685800" indent="-542925">
               <a:lnSpc>
                 <a:spcPct val="115000"/>
               </a:lnSpc>
@@ -12304,6 +12278,8 @@
                 <a:srgbClr val="C00000"/>
               </a:buClr>
               <a:buSzPts val="2100"/>
+              <a:buFont typeface="Arial"/>
+              <a:buAutoNum type="arabicPeriod"/>
             </a:pPr>
             <a:r>
               <a:rPr lang="en-US" sz="3600" dirty="0">
@@ -12313,27 +12289,131 @@
                 <a:latin typeface="Pragmatica" panose="020B0403040502020204"/>
                 <a:sym typeface="Consolas"/>
               </a:rPr>
-              <a:t>Using either Flash Fill </a:t>
-            </a:r>
-            <a:r>
-              <a:rPr lang="en-US" sz="3600" i="1" dirty="0">
+              <a:t>Set up the data for Copilot </a:t>
+            </a:r>
+          </a:p>
+          <a:p>
+            <a:pPr marL="685800" indent="-542925">
+              <a:lnSpc>
+                <a:spcPct val="115000"/>
+              </a:lnSpc>
+              <a:spcBef>
+                <a:spcPts val="1125"/>
+              </a:spcBef>
+              <a:buClr>
+                <a:srgbClr val="C00000"/>
+              </a:buClr>
+              <a:buSzPts val="2100"/>
+              <a:buFont typeface="Arial"/>
+              <a:buAutoNum type="arabicPeriod"/>
+            </a:pPr>
+            <a:r>
+              <a:rPr lang="en-US" sz="3600" dirty="0">
                 <a:solidFill>
                   <a:srgbClr val="C00000"/>
                 </a:solidFill>
                 <a:latin typeface="Pragmatica" panose="020B0403040502020204"/>
                 <a:sym typeface="Consolas"/>
               </a:rPr>
-              <a:t>or </a:t>
-            </a:r>
-            <a:r>
-              <a:rPr lang="en-US" sz="3600" dirty="0">
+              <a:t>Format the date column in mm/dd/</a:t>
+            </a:r>
+            <a:r>
+              <a:rPr lang="en-US" sz="3600" dirty="0" err="1">
                 <a:solidFill>
                   <a:srgbClr val="C00000"/>
                 </a:solidFill>
                 <a:latin typeface="Pragmatica" panose="020B0403040502020204"/>
                 <a:sym typeface="Consolas"/>
               </a:rPr>
-              <a:t>Column from Example:</a:t>
+              <a:t>yyyy</a:t>
+            </a:r>
+            <a:r>
+              <a:rPr lang="en-US" sz="3600" dirty="0">
+                <a:solidFill>
+                  <a:srgbClr val="C00000"/>
+                </a:solidFill>
+                <a:latin typeface="Pragmatica" panose="020B0403040502020204"/>
+                <a:sym typeface="Consolas"/>
+              </a:rPr>
+              <a:t> format</a:t>
+            </a:r>
+          </a:p>
+          <a:p>
+            <a:pPr marL="685800" indent="-542925">
+              <a:lnSpc>
+                <a:spcPct val="115000"/>
+              </a:lnSpc>
+              <a:spcBef>
+                <a:spcPts val="1125"/>
+              </a:spcBef>
+              <a:buClr>
+                <a:srgbClr val="C00000"/>
+              </a:buClr>
+              <a:buSzPts val="2100"/>
+              <a:buFont typeface="Arial"/>
+              <a:buAutoNum type="arabicPeriod"/>
+            </a:pPr>
+            <a:r>
+              <a:rPr lang="en-US" sz="3600" dirty="0">
+                <a:solidFill>
+                  <a:srgbClr val="C00000"/>
+                </a:solidFill>
+                <a:latin typeface="Pragmatica" panose="020B0403040502020204"/>
+                <a:sym typeface="Consolas"/>
+              </a:rPr>
+              <a:t>Format price and sales columns as currency</a:t>
+            </a:r>
+          </a:p>
+          <a:p>
+            <a:pPr marL="685800" indent="-542925">
+              <a:lnSpc>
+                <a:spcPct val="115000"/>
+              </a:lnSpc>
+              <a:spcBef>
+                <a:spcPts val="1125"/>
+              </a:spcBef>
+              <a:buClr>
+                <a:srgbClr val="C00000"/>
+              </a:buClr>
+              <a:buSzPts val="2100"/>
+              <a:buFont typeface="Arial"/>
+              <a:buAutoNum type="arabicPeriod"/>
+            </a:pPr>
+            <a:r>
+              <a:rPr lang="en-US" sz="3600" dirty="0">
+                <a:solidFill>
+                  <a:srgbClr val="C00000"/>
+                </a:solidFill>
+                <a:latin typeface="Pragmatica" panose="020B0403040502020204"/>
+                <a:sym typeface="Consolas"/>
+              </a:rPr>
+              <a:t>Add footer to display total sales</a:t>
+            </a:r>
+          </a:p>
+          <a:p>
+            <a:pPr marL="685800" indent="-542925">
+              <a:lnSpc>
+                <a:spcPct val="115000"/>
+              </a:lnSpc>
+              <a:spcBef>
+                <a:spcPts val="1125"/>
+              </a:spcBef>
+              <a:buClr>
+                <a:srgbClr val="C00000"/>
+              </a:buClr>
+              <a:buSzPts val="2100"/>
+              <a:buFont typeface="Arial"/>
+              <a:buAutoNum type="arabicPeriod"/>
+            </a:pPr>
+            <a:r>
+              <a:rPr lang="en-US" sz="3600" dirty="0">
+                <a:solidFill>
+                  <a:srgbClr val="C00000"/>
+                </a:solidFill>
+                <a:latin typeface="Pragmatica" panose="020B0403040502020204"/>
+                <a:sym typeface="Consolas"/>
+              </a:rPr>
+              <a:t>Set table’s font size to 30</a:t>
             </a:r>
           </a:p>
           <a:p>
@@ -12358,121 +12438,6 @@
             </a:endParaRPr>
           </a:p>
           <a:p>
-            <a:pPr marL="714375" indent="-571500">
-              <a:lnSpc>
-                <a:spcPct val="115000"/>
-              </a:lnSpc>
-              <a:spcBef>
-                <a:spcPts val="1125"/>
-              </a:spcBef>
-              <a:buClr>
-                <a:srgbClr val="C00000"/>
-              </a:buClr>
-              <a:buSzPts val="2100"/>
-              <a:buFont typeface="Arial" panose="020B0604020202020204" pitchFamily="34" charset="0"/>
-              <a:buChar char="•"/>
-            </a:pPr>
-            <a:r>
-              <a:rPr lang="en-US" sz="3600" dirty="0">
-                <a:solidFill>
-                  <a:srgbClr val="C00000"/>
-                </a:solidFill>
-                <a:latin typeface="Pragmatica" panose="020B0403040502020204"/>
-                <a:sym typeface="Consolas"/>
-              </a:rPr>
-              <a:t>Find the city name from each column (Houston, Atlanta, Los Angeles, </a:t>
-            </a:r>
-            <a:r>
-              <a:rPr lang="en-US" sz="3600" dirty="0" err="1">
-                <a:solidFill>
-                  <a:srgbClr val="C00000"/>
-                </a:solidFill>
-                <a:latin typeface="Pragmatica" panose="020B0403040502020204"/>
-                <a:sym typeface="Consolas"/>
-              </a:rPr>
-              <a:t>etc</a:t>
-            </a:r>
-            <a:r>
-              <a:rPr lang="en-US" sz="3600" dirty="0">
-                <a:solidFill>
-                  <a:srgbClr val="C00000"/>
-                </a:solidFill>
-                <a:latin typeface="Pragmatica" panose="020B0403040502020204"/>
-                <a:sym typeface="Consolas"/>
-              </a:rPr>
-              <a:t>)</a:t>
-            </a:r>
-          </a:p>
-          <a:p>
-            <a:pPr marL="714375" indent="-571500">
-              <a:lnSpc>
-                <a:spcPct val="115000"/>
-              </a:lnSpc>
-              <a:spcBef>
-                <a:spcPts val="1125"/>
-              </a:spcBef>
-              <a:buClr>
-                <a:srgbClr val="C00000"/>
-              </a:buClr>
-              <a:buSzPts val="2100"/>
-              <a:buFont typeface="Arial" panose="020B0604020202020204" pitchFamily="34" charset="0"/>
-              <a:buChar char="•"/>
-            </a:pPr>
-            <a:r>
-              <a:rPr lang="en-US" sz="3600" dirty="0">
-                <a:solidFill>
-                  <a:srgbClr val="C00000"/>
-                </a:solidFill>
-                <a:latin typeface="Pragmatica" panose="020B0403040502020204"/>
-                <a:sym typeface="Consolas"/>
-              </a:rPr>
-              <a:t>Find the initials for each time (HA, AB, LAD, </a:t>
-            </a:r>
-            <a:r>
-              <a:rPr lang="en-US" sz="3600" dirty="0" err="1">
-                <a:solidFill>
-                  <a:srgbClr val="C00000"/>
-                </a:solidFill>
-                <a:latin typeface="Pragmatica" panose="020B0403040502020204"/>
-                <a:sym typeface="Consolas"/>
-              </a:rPr>
-              <a:t>etc</a:t>
-            </a:r>
-            <a:r>
-              <a:rPr lang="en-US" sz="3600" dirty="0">
-                <a:solidFill>
-                  <a:srgbClr val="C00000"/>
-                </a:solidFill>
-                <a:latin typeface="Pragmatica" panose="020B0403040502020204"/>
-                <a:sym typeface="Consolas"/>
-              </a:rPr>
-              <a:t>)</a:t>
-            </a:r>
-          </a:p>
-          <a:p>
-            <a:pPr marL="685800" indent="-542925">
-              <a:lnSpc>
-                <a:spcPct val="115000"/>
-              </a:lnSpc>
-              <a:spcBef>
-                <a:spcPts val="1125"/>
-              </a:spcBef>
-              <a:buClr>
-                <a:srgbClr val="C00000"/>
-              </a:buClr>
-              <a:buSzPts val="2100"/>
-              <a:buFont typeface="Arial"/>
-              <a:buAutoNum type="arabicPeriod"/>
-            </a:pPr>
-            <a:endParaRPr lang="en-US" sz="3600" dirty="0">
-              <a:solidFill>
-                <a:srgbClr val="C00000"/>
-              </a:solidFill>
-              <a:latin typeface="Pragmatica" panose="020B0403040502020204"/>
-              <a:sym typeface="Consolas"/>
-            </a:endParaRPr>
-          </a:p>
-          <a:p>
             <a:pPr marL="142875">
               <a:lnSpc>
                 <a:spcPct val="115000"/>
@@ -12503,7 +12468,7 @@
                 <a:latin typeface="Consolas" panose="020B0609020204030204" pitchFamily="49" charset="0"/>
                 <a:sym typeface="Consolas"/>
               </a:rPr>
-              <a:t>ai-powered-data-manipulation-exercise.xlsx</a:t>
+              <a:t>copilot-data-manipulation-challenge.xlsx</a:t>
             </a:r>
             <a:endParaRPr lang="en-US" sz="6000" dirty="0">
               <a:solidFill>

--- a/xlgs-analytics-2_0-slides.pptx
+++ b/xlgs-analytics-2_0-slides.pptx
@@ -5503,7 +5503,7 @@
                 </a:solidFill>
                 <a:latin typeface="Pragmatica" panose="020B0403040502020204" pitchFamily="34" charset="0"/>
               </a:rPr>
-              <a:t>AI-powered data entry and forecasting </a:t>
+              <a:t>Data management with Copilot</a:t>
             </a:r>
           </a:p>
           <a:p>
@@ -5537,7 +5537,7 @@
                 <a:latin typeface="Pragmatica" panose="020B0403040502020204"/>
                 <a:sym typeface="Consolas"/>
               </a:rPr>
-              <a:t>Importing data from picture</a:t>
+              <a:t>Working with formulas and functions</a:t>
             </a:r>
           </a:p>
           <a:p>
@@ -5563,7 +5563,7 @@
                 <a:latin typeface="Pragmatica" panose="020B0403040502020204"/>
                 <a:sym typeface="Consolas"/>
               </a:rPr>
-              <a:t>Creating forecasts with Forecast Sheet</a:t>
+              <a:t>Data profiling</a:t>
             </a:r>
           </a:p>
           <a:p>
@@ -5589,7 +5589,7 @@
                 <a:latin typeface="Pragmatica" panose="020B0403040502020204"/>
                 <a:sym typeface="Consolas"/>
               </a:rPr>
-              <a:t>Enhancing insights with linked data types</a:t>
+              <a:t>Sorting and filtering</a:t>
             </a:r>
           </a:p>
           <a:p>
@@ -5779,7 +5779,7 @@
         <p:spPr>
           <a:xfrm>
             <a:off x="260431" y="329879"/>
-            <a:ext cx="8906720" cy="8027326"/>
+            <a:ext cx="8906720" cy="10220747"/>
           </a:xfrm>
           <a:prstGeom prst="rect">
             <a:avLst/>
@@ -5799,23 +5799,8 @@
                 </a:solidFill>
                 <a:latin typeface="Pragmatica" panose="020B0403040502020204" pitchFamily="34" charset="0"/>
               </a:rPr>
-              <a:t>Data management </a:t>
-            </a:r>
-            <a:r>
-              <a:rPr lang="en-US" sz="6000" b="1">
-                <a:solidFill>
-                  <a:srgbClr val="CF3338"/>
-                </a:solidFill>
-                <a:latin typeface="Pragmatica" panose="020B0403040502020204" pitchFamily="34" charset="0"/>
-              </a:rPr>
-              <a:t>with Copilot EXERCISE</a:t>
-            </a:r>
-            <a:endParaRPr lang="en-US" sz="6000" b="1" dirty="0">
-              <a:solidFill>
-                <a:srgbClr val="CF3338"/>
-              </a:solidFill>
-              <a:latin typeface="Pragmatica" panose="020B0403040502020204" pitchFamily="34" charset="0"/>
-            </a:endParaRPr>
+              <a:t>Data management with Copilot EXERCISE</a:t>
+            </a:r>
           </a:p>
           <a:p>
             <a:pPr marL="142875">
@@ -5839,7 +5824,7 @@
             </a:endParaRPr>
           </a:p>
           <a:p>
-            <a:pPr marL="714375" indent="-571500">
+            <a:pPr marL="885825" indent="-742950">
               <a:lnSpc>
                 <a:spcPct val="115000"/>
               </a:lnSpc>
@@ -5850,8 +5835,8 @@
                 <a:srgbClr val="C00000"/>
               </a:buClr>
               <a:buSzPts val="2100"/>
-              <a:buFont typeface="Arial" panose="020B0604020202020204" pitchFamily="34" charset="0"/>
-              <a:buChar char="•"/>
+              <a:buFont typeface="+mj-lt"/>
+              <a:buAutoNum type="arabicPeriod"/>
             </a:pPr>
             <a:r>
               <a:rPr lang="en-US" sz="3600" dirty="0">
@@ -5861,11 +5846,31 @@
                 <a:latin typeface="Pragmatica" panose="020B0403040502020204"/>
                 <a:sym typeface="Consolas"/>
               </a:rPr>
-              <a:t>Create a population forecast for the selected European countries</a:t>
-            </a:r>
-          </a:p>
-          <a:p>
-            <a:pPr marL="714375" indent="-571500">
+              <a:t>Add </a:t>
+            </a:r>
+            <a:r>
+              <a:rPr lang="en-US" sz="3600" dirty="0" err="1">
+                <a:solidFill>
+                  <a:srgbClr val="C00000"/>
+                </a:solidFill>
+                <a:latin typeface="Pragmatica" panose="020B0403040502020204"/>
+                <a:sym typeface="Consolas"/>
+              </a:rPr>
+              <a:t>total_sales</a:t>
+            </a:r>
+            <a:r>
+              <a:rPr lang="en-US" sz="3600" dirty="0">
+                <a:solidFill>
+                  <a:srgbClr val="C00000"/>
+                </a:solidFill>
+                <a:latin typeface="Pragmatica" panose="020B0403040502020204"/>
+                <a:sym typeface="Consolas"/>
+              </a:rPr>
+              <a:t> column: price * quantity</a:t>
+            </a:r>
+          </a:p>
+          <a:p>
+            <a:pPr marL="885825" indent="-742950">
               <a:lnSpc>
                 <a:spcPct val="115000"/>
               </a:lnSpc>
@@ -5876,8 +5881,8 @@
                 <a:srgbClr val="C00000"/>
               </a:buClr>
               <a:buSzPts val="2100"/>
-              <a:buFont typeface="Arial" panose="020B0604020202020204" pitchFamily="34" charset="0"/>
-              <a:buChar char="•"/>
+              <a:buFont typeface="+mj-lt"/>
+              <a:buAutoNum type="arabicPeriod"/>
             </a:pPr>
             <a:r>
               <a:rPr lang="en-US" sz="3600" dirty="0">
@@ -5887,11 +5892,11 @@
                 <a:latin typeface="Pragmatica" panose="020B0403040502020204"/>
                 <a:sym typeface="Consolas"/>
               </a:rPr>
-              <a:t>Enhance your data with linked data types</a:t>
-            </a:r>
-          </a:p>
-          <a:p>
-            <a:pPr marL="685800" indent="-542925">
+              <a:t>Hide price and quantity columns</a:t>
+            </a:r>
+          </a:p>
+          <a:p>
+            <a:pPr marL="885825" indent="-742950">
               <a:lnSpc>
                 <a:spcPct val="115000"/>
               </a:lnSpc>
@@ -5902,16 +5907,65 @@
                 <a:srgbClr val="C00000"/>
               </a:buClr>
               <a:buSzPts val="2100"/>
-              <a:buFont typeface="Arial"/>
+              <a:buFont typeface="+mj-lt"/>
               <a:buAutoNum type="arabicPeriod"/>
             </a:pPr>
-            <a:endParaRPr lang="en-US" sz="3600" dirty="0">
-              <a:solidFill>
+            <a:r>
+              <a:rPr lang="en-US" sz="3600" dirty="0">
+                <a:solidFill>
+                  <a:srgbClr val="C00000"/>
+                </a:solidFill>
+                <a:latin typeface="Pragmatica" panose="020B0403040502020204"/>
+                <a:sym typeface="Consolas"/>
+              </a:rPr>
+              <a:t>Count the number of products in each category</a:t>
+            </a:r>
+          </a:p>
+          <a:p>
+            <a:pPr marL="885825" indent="-742950">
+              <a:lnSpc>
+                <a:spcPct val="115000"/>
+              </a:lnSpc>
+              <a:spcBef>
+                <a:spcPts val="1125"/>
+              </a:spcBef>
+              <a:buClr>
                 <a:srgbClr val="C00000"/>
-              </a:solidFill>
-              <a:latin typeface="Pragmatica" panose="020B0403040502020204"/>
-              <a:sym typeface="Consolas"/>
-            </a:endParaRPr>
+              </a:buClr>
+              <a:buSzPts val="2100"/>
+              <a:buFont typeface="+mj-lt"/>
+              <a:buAutoNum type="arabicPeriod"/>
+            </a:pPr>
+            <a:r>
+              <a:rPr lang="en-US" sz="3600" dirty="0">
+                <a:solidFill>
+                  <a:srgbClr val="C00000"/>
+                </a:solidFill>
+                <a:latin typeface="Pragmatica" panose="020B0403040502020204"/>
+                <a:sym typeface="Consolas"/>
+              </a:rPr>
+              <a:t>Arrange dataset by </a:t>
+            </a:r>
+            <a:r>
+              <a:rPr lang="en-US" sz="3600" dirty="0" err="1">
+                <a:solidFill>
+                  <a:srgbClr val="C00000"/>
+                </a:solidFill>
+                <a:latin typeface="Pragmatica" panose="020B0403040502020204"/>
+                <a:sym typeface="Consolas"/>
+              </a:rPr>
+              <a:t>total_sales</a:t>
+            </a:r>
+            <a:r>
+              <a:rPr lang="en-US" sz="3600" dirty="0">
+                <a:solidFill>
+                  <a:srgbClr val="C00000"/>
+                </a:solidFill>
+                <a:latin typeface="Pragmatica" panose="020B0403040502020204"/>
+                <a:sym typeface="Consolas"/>
+              </a:rPr>
+              <a:t>, descending</a:t>
+            </a:r>
           </a:p>
           <a:p>
             <a:pPr marL="142875">
@@ -5926,6 +5980,27 @@
               </a:buClr>
               <a:buSzPts val="2100"/>
             </a:pPr>
+            <a:endParaRPr lang="en-US" sz="3600" dirty="0">
+              <a:solidFill>
+                <a:srgbClr val="C00000"/>
+              </a:solidFill>
+              <a:latin typeface="Pragmatica" panose="020B0403040502020204"/>
+              <a:sym typeface="Consolas"/>
+            </a:endParaRPr>
+          </a:p>
+          <a:p>
+            <a:pPr marL="142875">
+              <a:lnSpc>
+                <a:spcPct val="115000"/>
+              </a:lnSpc>
+              <a:spcBef>
+                <a:spcPts val="1125"/>
+              </a:spcBef>
+              <a:buClr>
+                <a:srgbClr val="C00000"/>
+              </a:buClr>
+              <a:buSzPts val="2100"/>
+            </a:pPr>
             <a:r>
               <a:rPr lang="en-US" sz="3600" dirty="0">
                 <a:solidFill>
@@ -5944,7 +6019,7 @@
                 <a:latin typeface="Consolas" panose="020B0609020204030204" pitchFamily="49" charset="0"/>
                 <a:sym typeface="Consolas"/>
               </a:rPr>
-              <a:t>ai-powered-data-manipulation-exercise.xlsx</a:t>
+              <a:t>copilot-data-management-challenge.xlsx</a:t>
             </a:r>
             <a:endParaRPr lang="en-US" sz="6000" dirty="0">
               <a:solidFill>
@@ -6226,7 +6301,7 @@
                 </a:solidFill>
                 <a:latin typeface="Normafixed Tryout" panose="00000409000000000000" pitchFamily="49" charset="0"/>
               </a:rPr>
-              <a:t>3. AI-Powered Data Analysis and Visualization</a:t>
+              <a:t>3. Data analysis &amp; visualization with Copilot</a:t>
             </a:r>
           </a:p>
         </p:txBody>
@@ -6345,7 +6420,7 @@
         <p:spPr>
           <a:xfrm>
             <a:off x="260431" y="329879"/>
-            <a:ext cx="8906720" cy="7895495"/>
+            <a:ext cx="8906720" cy="8036559"/>
           </a:xfrm>
           <a:prstGeom prst="rect">
             <a:avLst/>
@@ -6365,7 +6440,7 @@
                 </a:solidFill>
                 <a:latin typeface="Pragmatica" panose="020B0403040502020204" pitchFamily="34" charset="0"/>
               </a:rPr>
-              <a:t>AI-powered data analysis and visualization</a:t>
+              <a:t>Data analysis &amp; visualization with Copilot</a:t>
             </a:r>
           </a:p>
           <a:p>
@@ -6399,7 +6474,7 @@
                 <a:latin typeface="Pragmatica" panose="020B0403040502020204"/>
                 <a:sym typeface="Consolas"/>
               </a:rPr>
-              <a:t>Preparing data for Analyze Data</a:t>
+              <a:t>Conditional formatting</a:t>
             </a:r>
           </a:p>
           <a:p>
@@ -6425,7 +6500,33 @@
                 <a:latin typeface="Pragmatica" panose="020B0403040502020204"/>
                 <a:sym typeface="Consolas"/>
               </a:rPr>
-              <a:t>Basics of natural language querying &amp; prompt engineering</a:t>
+              <a:t>Data analysis</a:t>
+            </a:r>
+          </a:p>
+          <a:p>
+            <a:pPr marL="685800" indent="-542925">
+              <a:lnSpc>
+                <a:spcPct val="115000"/>
+              </a:lnSpc>
+              <a:spcBef>
+                <a:spcPts val="1125"/>
+              </a:spcBef>
+              <a:buClr>
+                <a:srgbClr val="C00000"/>
+              </a:buClr>
+              <a:buSzPts val="2100"/>
+              <a:buFont typeface="Arial"/>
+              <a:buAutoNum type="arabicPeriod"/>
+            </a:pPr>
+            <a:r>
+              <a:rPr lang="en-US" sz="3600" dirty="0">
+                <a:solidFill>
+                  <a:srgbClr val="C00000"/>
+                </a:solidFill>
+                <a:latin typeface="Pragmatica" panose="020B0403040502020204"/>
+                <a:sym typeface="Consolas"/>
+              </a:rPr>
+              <a:t>Data visualization</a:t>
             </a:r>
           </a:p>
           <a:p>
@@ -6480,7 +6581,7 @@
                 <a:latin typeface="Consolas" panose="020B0609020204030204" pitchFamily="49" charset="0"/>
                 <a:sym typeface="Consolas"/>
               </a:rPr>
-              <a:t>ai-powered-data-analysis-visualization.xlsx</a:t>
+              <a:t>copilot-analysis-visualization.xlsx</a:t>
             </a:r>
             <a:endParaRPr lang="en-US" sz="6000" dirty="0">
               <a:solidFill>
@@ -6613,7 +6714,7 @@
         <p:spPr>
           <a:xfrm>
             <a:off x="260431" y="329879"/>
-            <a:ext cx="8906720" cy="7390228"/>
+            <a:ext cx="8906720" cy="10224850"/>
           </a:xfrm>
           <a:prstGeom prst="rect">
             <a:avLst/>
@@ -6633,22 +6734,8 @@
                 </a:solidFill>
                 <a:latin typeface="Pragmatica" panose="020B0403040502020204" pitchFamily="34" charset="0"/>
               </a:rPr>
-              <a:t>AI-powered data analysis and visualization EXERCISE</a:t>
-            </a:r>
-          </a:p>
-          <a:p>
-            <a:pPr marL="142875">
-              <a:lnSpc>
-                <a:spcPct val="115000"/>
-              </a:lnSpc>
-              <a:spcBef>
-                <a:spcPts val="1125"/>
-              </a:spcBef>
-              <a:buClr>
-                <a:srgbClr val="C00000"/>
-              </a:buClr>
-              <a:buSzPts val="2100"/>
-            </a:pPr>
+              <a:t>Data analysis &amp; visualization with Copilot EXERCISE</a:t>
+            </a:r>
             <a:endParaRPr lang="en-US" sz="3600" dirty="0">
               <a:solidFill>
                 <a:srgbClr val="C00000"/>
@@ -6680,7 +6767,27 @@
                 <a:latin typeface="Pragmatica" panose="020B0403040502020204"/>
                 <a:sym typeface="Consolas"/>
               </a:rPr>
-              <a:t>Prepare data for optimal Analyze Data use</a:t>
+              <a:t>Add data bar conditional format to </a:t>
+            </a:r>
+            <a:r>
+              <a:rPr lang="en-US" sz="3600" dirty="0" err="1">
+                <a:solidFill>
+                  <a:srgbClr val="C00000"/>
+                </a:solidFill>
+                <a:latin typeface="Pragmatica" panose="020B0403040502020204"/>
+                <a:sym typeface="Consolas"/>
+              </a:rPr>
+              <a:t>avg_review</a:t>
+            </a:r>
+            <a:r>
+              <a:rPr lang="en-US" sz="3600" dirty="0">
+                <a:solidFill>
+                  <a:srgbClr val="C00000"/>
+                </a:solidFill>
+                <a:latin typeface="Pragmatica" panose="020B0403040502020204"/>
+                <a:sym typeface="Consolas"/>
+              </a:rPr>
+              <a:t> column</a:t>
             </a:r>
           </a:p>
           <a:p>
@@ -6706,11 +6813,48 @@
                 <a:latin typeface="Pragmatica" panose="020B0403040502020204"/>
                 <a:sym typeface="Consolas"/>
               </a:rPr>
-              <a:t>Visualize total state population over time</a:t>
-            </a:r>
-          </a:p>
-          <a:p>
-            <a:pPr marL="685800" indent="-542925">
+              <a:t>Visualize relationship between </a:t>
+            </a:r>
+            <a:r>
+              <a:rPr lang="en-US" sz="3600" dirty="0" err="1">
+                <a:solidFill>
+                  <a:srgbClr val="C00000"/>
+                </a:solidFill>
+                <a:latin typeface="Pragmatica" panose="020B0403040502020204"/>
+                <a:sym typeface="Consolas"/>
+              </a:rPr>
+              <a:t>avg_review</a:t>
+            </a:r>
+            <a:r>
+              <a:rPr lang="en-US" sz="3600" dirty="0">
+                <a:solidFill>
+                  <a:srgbClr val="C00000"/>
+                </a:solidFill>
+                <a:latin typeface="Pragmatica" panose="020B0403040502020204"/>
+                <a:sym typeface="Consolas"/>
+              </a:rPr>
+              <a:t> and </a:t>
+            </a:r>
+            <a:r>
+              <a:rPr lang="en-US" sz="3600" dirty="0" err="1">
+                <a:solidFill>
+                  <a:srgbClr val="C00000"/>
+                </a:solidFill>
+                <a:latin typeface="Pragmatica" panose="020B0403040502020204"/>
+                <a:sym typeface="Consolas"/>
+              </a:rPr>
+              <a:t>return_percentage</a:t>
+            </a:r>
+            <a:endParaRPr lang="en-US" sz="3600" dirty="0">
+              <a:solidFill>
+                <a:srgbClr val="C00000"/>
+              </a:solidFill>
+              <a:latin typeface="Pragmatica" panose="020B0403040502020204"/>
+              <a:sym typeface="Consolas"/>
+            </a:endParaRPr>
+          </a:p>
+          <a:p>
+            <a:pPr marL="714375" indent="-571500">
               <a:lnSpc>
                 <a:spcPct val="115000"/>
               </a:lnSpc>
@@ -6721,16 +6865,45 @@
                 <a:srgbClr val="C00000"/>
               </a:buClr>
               <a:buSzPts val="2100"/>
-              <a:buFont typeface="Arial"/>
-              <a:buAutoNum type="arabicPeriod"/>
+              <a:buFont typeface="Arial" panose="020B0604020202020204" pitchFamily="34" charset="0"/>
+              <a:buChar char="•"/>
             </a:pPr>
-            <a:endParaRPr lang="en-US" sz="3600" dirty="0">
-              <a:solidFill>
+            <a:r>
+              <a:rPr lang="en-US" sz="3600" dirty="0">
+                <a:solidFill>
+                  <a:srgbClr val="C00000"/>
+                </a:solidFill>
+                <a:latin typeface="Pragmatica" panose="020B0403040502020204"/>
+                <a:sym typeface="Consolas"/>
+              </a:rPr>
+              <a:t>Chart total revenue over time</a:t>
+            </a:r>
+          </a:p>
+          <a:p>
+            <a:pPr marL="714375" indent="-571500">
+              <a:lnSpc>
+                <a:spcPct val="115000"/>
+              </a:lnSpc>
+              <a:spcBef>
+                <a:spcPts val="1125"/>
+              </a:spcBef>
+              <a:buClr>
                 <a:srgbClr val="C00000"/>
-              </a:solidFill>
-              <a:latin typeface="Pragmatica" panose="020B0403040502020204"/>
-              <a:sym typeface="Consolas"/>
-            </a:endParaRPr>
+              </a:buClr>
+              <a:buSzPts val="2100"/>
+              <a:buFont typeface="Arial" panose="020B0604020202020204" pitchFamily="34" charset="0"/>
+              <a:buChar char="•"/>
+            </a:pPr>
+            <a:r>
+              <a:rPr lang="en-US" sz="3600" dirty="0">
+                <a:solidFill>
+                  <a:srgbClr val="C00000"/>
+                </a:solidFill>
+                <a:latin typeface="Pragmatica" panose="020B0403040502020204"/>
+                <a:sym typeface="Consolas"/>
+              </a:rPr>
+              <a:t>Find the leading product category based on revenue</a:t>
+            </a:r>
           </a:p>
           <a:p>
             <a:pPr marL="142875">
@@ -6763,7 +6936,7 @@
                 <a:latin typeface="Consolas" panose="020B0609020204030204" pitchFamily="49" charset="0"/>
                 <a:sym typeface="Consolas"/>
               </a:rPr>
-              <a:t>ai-powered-data-analysis-visualization-exercise.xlsx</a:t>
+              <a:t>copilot-analysis-visualization-exercise.xlsx</a:t>
             </a:r>
             <a:endParaRPr lang="en-US" sz="6000" dirty="0">
               <a:solidFill>
@@ -11553,17 +11726,14 @@
                 <a:latin typeface="Pragmatica" panose="020B0403040502020204" pitchFamily="34" charset="0"/>
                 <a:hlinkClick r:id="rId2"/>
               </a:rPr>
-              <a:t>https://swiy.co/gxls24</a:t>
-            </a:r>
-            <a:r>
-              <a:rPr lang="en-US" sz="8800" dirty="0">
-                <a:solidFill>
-                  <a:srgbClr val="707070"/>
-                </a:solidFill>
-                <a:latin typeface="Pragmatica" panose="020B0403040502020204" pitchFamily="34" charset="0"/>
-              </a:rPr>
-              <a:t> </a:t>
-            </a:r>
+              <a:t>https://swiy.co/gxls25 </a:t>
+            </a:r>
+            <a:endParaRPr lang="en-US" sz="8800" dirty="0">
+              <a:solidFill>
+                <a:srgbClr val="707070"/>
+              </a:solidFill>
+              <a:latin typeface="Pragmatica" panose="020B0403040502020204" pitchFamily="34" charset="0"/>
+            </a:endParaRPr>
           </a:p>
         </p:txBody>
       </p:sp>

--- a/xlgs-analytics-2_0-slides.pptx
+++ b/xlgs-analytics-2_0-slides.pptx
@@ -5483,7 +5483,7 @@
         <p:spPr>
           <a:xfrm>
             <a:off x="260431" y="329879"/>
-            <a:ext cx="8906720" cy="8036559"/>
+            <a:ext cx="8906720" cy="7399462"/>
           </a:xfrm>
           <a:prstGeom prst="rect">
             <a:avLst/>
@@ -5646,7 +5646,7 @@
                 <a:latin typeface="Consolas" panose="020B0609020204030204" pitchFamily="49" charset="0"/>
                 <a:sym typeface="Consolas"/>
               </a:rPr>
-              <a:t>ai-powered-data-entry-forecasting.xlsx</a:t>
+              <a:t>copilot-data-management.xlsx</a:t>
             </a:r>
             <a:endParaRPr lang="en-US" sz="6000" dirty="0">
               <a:solidFill>
@@ -7243,10 +7243,16 @@
           <a:lstStyle/>
           <a:p>
             <a:r>
+              <a:rPr lang="en-US" sz="6000" b="1">
+                <a:latin typeface="Pragmatica" panose="020B0403040502020204" pitchFamily="34" charset="0"/>
+              </a:rPr>
+              <a:t>Copilot for </a:t>
+            </a:r>
+            <a:r>
               <a:rPr lang="en-US" sz="6000" b="1" dirty="0">
                 <a:latin typeface="Pragmatica" panose="020B0403040502020204" pitchFamily="34" charset="0"/>
               </a:rPr>
-              <a:t>AI-Powered Excel RECAP</a:t>
+              <a:t>Excel RECAP</a:t>
             </a:r>
           </a:p>
           <a:p>
@@ -12425,7 +12431,7 @@
                 </a:solidFill>
                 <a:latin typeface="Pragmatica" panose="020B0403040502020204" pitchFamily="34" charset="0"/>
               </a:rPr>
-              <a:t>AI-powered data manipulation EXERCISE</a:t>
+              <a:t>Data manipulation with Copilot CHALLENGE</a:t>
             </a:r>
           </a:p>
           <a:p>
